--- a/images/fisher_test_adpa_tta.pptx
+++ b/images/fisher_test_adpa_tta.pptx
@@ -208,7 +208,7 @@
           <a:p>
             <a:fld id="{C571D33F-B151-5442-9D79-DA0A881D815F}" type="datetimeFigureOut">
               <a:rPr lang="en-US" smtClean="0"/>
-              <a:t>5/30/23</a:t>
+              <a:t>9/8/23</a:t>
             </a:fld>
             <a:endParaRPr lang="en-US"/>
           </a:p>
@@ -743,7 +743,7 @@
           <a:p>
             <a:fld id="{01197F44-DB72-474A-9754-31703E05C006}" type="datetimeFigureOut">
               <a:rPr lang="en-US" smtClean="0"/>
-              <a:t>5/30/23</a:t>
+              <a:t>9/8/23</a:t>
             </a:fld>
             <a:endParaRPr lang="en-US"/>
           </a:p>
@@ -911,7 +911,7 @@
           <a:p>
             <a:fld id="{01197F44-DB72-474A-9754-31703E05C006}" type="datetimeFigureOut">
               <a:rPr lang="en-US" smtClean="0"/>
-              <a:t>5/30/23</a:t>
+              <a:t>9/8/23</a:t>
             </a:fld>
             <a:endParaRPr lang="en-US"/>
           </a:p>
@@ -1089,7 +1089,7 @@
           <a:p>
             <a:fld id="{01197F44-DB72-474A-9754-31703E05C006}" type="datetimeFigureOut">
               <a:rPr lang="en-US" smtClean="0"/>
-              <a:t>5/30/23</a:t>
+              <a:t>9/8/23</a:t>
             </a:fld>
             <a:endParaRPr lang="en-US"/>
           </a:p>
@@ -1257,7 +1257,7 @@
           <a:p>
             <a:fld id="{01197F44-DB72-474A-9754-31703E05C006}" type="datetimeFigureOut">
               <a:rPr lang="en-US" smtClean="0"/>
-              <a:t>5/30/23</a:t>
+              <a:t>9/8/23</a:t>
             </a:fld>
             <a:endParaRPr lang="en-US"/>
           </a:p>
@@ -1502,7 +1502,7 @@
           <a:p>
             <a:fld id="{01197F44-DB72-474A-9754-31703E05C006}" type="datetimeFigureOut">
               <a:rPr lang="en-US" smtClean="0"/>
-              <a:t>5/30/23</a:t>
+              <a:t>9/8/23</a:t>
             </a:fld>
             <a:endParaRPr lang="en-US"/>
           </a:p>
@@ -1787,7 +1787,7 @@
           <a:p>
             <a:fld id="{01197F44-DB72-474A-9754-31703E05C006}" type="datetimeFigureOut">
               <a:rPr lang="en-US" smtClean="0"/>
-              <a:t>5/30/23</a:t>
+              <a:t>9/8/23</a:t>
             </a:fld>
             <a:endParaRPr lang="en-US"/>
           </a:p>
@@ -2206,7 +2206,7 @@
           <a:p>
             <a:fld id="{01197F44-DB72-474A-9754-31703E05C006}" type="datetimeFigureOut">
               <a:rPr lang="en-US" smtClean="0"/>
-              <a:t>5/30/23</a:t>
+              <a:t>9/8/23</a:t>
             </a:fld>
             <a:endParaRPr lang="en-US"/>
           </a:p>
@@ -2323,7 +2323,7 @@
           <a:p>
             <a:fld id="{01197F44-DB72-474A-9754-31703E05C006}" type="datetimeFigureOut">
               <a:rPr lang="en-US" smtClean="0"/>
-              <a:t>5/30/23</a:t>
+              <a:t>9/8/23</a:t>
             </a:fld>
             <a:endParaRPr lang="en-US"/>
           </a:p>
@@ -2418,7 +2418,7 @@
           <a:p>
             <a:fld id="{01197F44-DB72-474A-9754-31703E05C006}" type="datetimeFigureOut">
               <a:rPr lang="en-US" smtClean="0"/>
-              <a:t>5/30/23</a:t>
+              <a:t>9/8/23</a:t>
             </a:fld>
             <a:endParaRPr lang="en-US"/>
           </a:p>
@@ -2693,7 +2693,7 @@
           <a:p>
             <a:fld id="{01197F44-DB72-474A-9754-31703E05C006}" type="datetimeFigureOut">
               <a:rPr lang="en-US" smtClean="0"/>
-              <a:t>5/30/23</a:t>
+              <a:t>9/8/23</a:t>
             </a:fld>
             <a:endParaRPr lang="en-US"/>
           </a:p>
@@ -2945,7 +2945,7 @@
           <a:p>
             <a:fld id="{01197F44-DB72-474A-9754-31703E05C006}" type="datetimeFigureOut">
               <a:rPr lang="en-US" smtClean="0"/>
-              <a:t>5/30/23</a:t>
+              <a:t>9/8/23</a:t>
             </a:fld>
             <a:endParaRPr lang="en-US"/>
           </a:p>
@@ -3156,7 +3156,7 @@
           <a:p>
             <a:fld id="{01197F44-DB72-474A-9754-31703E05C006}" type="datetimeFigureOut">
               <a:rPr lang="en-US" smtClean="0"/>
-              <a:t>5/30/23</a:t>
+              <a:t>9/8/23</a:t>
             </a:fld>
             <a:endParaRPr lang="en-US"/>
           </a:p>
@@ -3546,7 +3546,7 @@
           <p:nvPr>
             <p:extLst>
               <p:ext uri="{D42A27DB-BD31-4B8C-83A1-F6EECF244321}">
-                <p14:modId xmlns:p14="http://schemas.microsoft.com/office/powerpoint/2010/main" val="77849984"/>
+                <p14:modId xmlns:p14="http://schemas.microsoft.com/office/powerpoint/2010/main" val="2761570653"/>
               </p:ext>
             </p:extLst>
           </p:nvPr>
@@ -3684,7 +3684,7 @@
                       <a:pPr algn="ctr"/>
                       <a:r>
                         <a:rPr lang="en-US" sz="1400" b="0" dirty="0"/>
-                        <a:t>YES (89 genes)</a:t>
+                        <a:t>YES (184 genes)</a:t>
                       </a:r>
                     </a:p>
                   </a:txBody>
@@ -3698,7 +3698,7 @@
                       <a:pPr algn="ctr"/>
                       <a:r>
                         <a:rPr lang="en-US" sz="1400" b="0" dirty="0"/>
-                        <a:t>NO (26 genes)</a:t>
+                        <a:t>NO (34 genes)</a:t>
                       </a:r>
                     </a:p>
                   </a:txBody>
@@ -3763,7 +3763,7 @@
                       <a:pPr algn="ctr"/>
                       <a:r>
                         <a:rPr lang="en-US" sz="1800" b="0" dirty="0"/>
-                        <a:t>76 genes</a:t>
+                        <a:t>177 genes</a:t>
                       </a:r>
                     </a:p>
                   </a:txBody>
@@ -3777,7 +3777,7 @@
                       <a:pPr algn="ctr"/>
                       <a:r>
                         <a:rPr lang="en-US" sz="1800" b="0" dirty="0"/>
-                        <a:t>5 genes</a:t>
+                        <a:t>19 genes</a:t>
                       </a:r>
                     </a:p>
                   </a:txBody>
@@ -3822,7 +3822,7 @@
                       <a:pPr algn="ctr"/>
                       <a:r>
                         <a:rPr lang="en-US" sz="1800" b="0" dirty="0"/>
-                        <a:t>13 genes</a:t>
+                        <a:t>7 genes</a:t>
                       </a:r>
                     </a:p>
                   </a:txBody>
@@ -3836,7 +3836,7 @@
                       <a:pPr algn="ctr"/>
                       <a:r>
                         <a:rPr lang="en-US" sz="1800" b="0" dirty="0"/>
-                        <a:t>21 genes</a:t>
+                        <a:t>15 genes</a:t>
                       </a:r>
                     </a:p>
                   </a:txBody>
@@ -3885,9 +3885,13 @@
             </a:r>
             <a:r>
               <a:rPr lang="en-GB" sz="1800" b="1" dirty="0"/>
-              <a:t>5.6e-10</a:t>
-            </a:r>
-            <a:endParaRPr lang="en-US" sz="1800" b="1" dirty="0"/>
+              <a:t>3×10</a:t>
+            </a:r>
+            <a:r>
+              <a:rPr lang="en-GB" sz="1800" b="1" baseline="30000" dirty="0"/>
+              <a:t>-9</a:t>
+            </a:r>
+            <a:endParaRPr lang="en-US" sz="1800" b="1" baseline="30000" dirty="0"/>
           </a:p>
         </p:txBody>
       </p:sp>
@@ -3920,7 +3924,15 @@
           <a:p>
             <a:r>
               <a:rPr lang="en-US" sz="1100" dirty="0"/>
-              <a:t>*15 </a:t>
+              <a:t>*</a:t>
+            </a:r>
+            <a:r>
+              <a:rPr lang="en-US" sz="1100" dirty="0" err="1"/>
+              <a:t>uORF</a:t>
+            </a:r>
+            <a:r>
+              <a:rPr lang="en-US" sz="1100" dirty="0"/>
+              <a:t> UUA located 5 or 6 </a:t>
             </a:r>
             <a:r>
               <a:rPr lang="en-US" sz="1100" dirty="0" err="1"/>
@@ -3928,7 +3940,7 @@
             </a:r>
             <a:r>
               <a:rPr lang="en-US" sz="1100" dirty="0"/>
-              <a:t> upstream of the annotated start codons were analyzed</a:t>
+              <a:t> upstream the main ORF start codon</a:t>
             </a:r>
           </a:p>
         </p:txBody>
